--- a/wiki.pptx
+++ b/wiki.pptx
@@ -171,7 +171,7 @@
           </a:lstStyle>
           <a:p>
             <a:r>
-              <a:rPr lang="es-ES" smtClean="0"/>
+              <a:rPr lang="es-ES"/>
               <a:t>Haga clic para modificar el estilo de título del patrón</a:t>
             </a:r>
             <a:endParaRPr lang="en-US" dirty="0"/>
@@ -236,7 +236,7 @@
           </a:lstStyle>
           <a:p>
             <a:r>
-              <a:rPr lang="es-ES" smtClean="0"/>
+              <a:rPr lang="es-ES"/>
               <a:t>Haga clic para editar el estilo de subtítulo del patrón</a:t>
             </a:r>
             <a:endParaRPr lang="en-US" dirty="0"/>
@@ -354,7 +354,7 @@
           <a:lstStyle/>
           <a:p>
             <a:r>
-              <a:rPr lang="es-ES" smtClean="0"/>
+              <a:rPr lang="es-ES"/>
               <a:t>Haga clic para modificar el estilo de título del patrón</a:t>
             </a:r>
             <a:endParaRPr lang="en-US" dirty="0"/>
@@ -378,35 +378,35 @@
           <a:p>
             <a:pPr lvl="0"/>
             <a:r>
-              <a:rPr lang="es-ES" smtClean="0"/>
+              <a:rPr lang="es-ES"/>
               <a:t>Editar el estilo de texto del patrón</a:t>
             </a:r>
           </a:p>
           <a:p>
             <a:pPr lvl="1"/>
             <a:r>
-              <a:rPr lang="es-ES" smtClean="0"/>
+              <a:rPr lang="es-ES"/>
               <a:t>Segundo nivel</a:t>
             </a:r>
           </a:p>
           <a:p>
             <a:pPr lvl="2"/>
             <a:r>
-              <a:rPr lang="es-ES" smtClean="0"/>
+              <a:rPr lang="es-ES"/>
               <a:t>Tercer nivel</a:t>
             </a:r>
           </a:p>
           <a:p>
             <a:pPr lvl="3"/>
             <a:r>
-              <a:rPr lang="es-ES" smtClean="0"/>
+              <a:rPr lang="es-ES"/>
               <a:t>Cuarto nivel</a:t>
             </a:r>
           </a:p>
           <a:p>
             <a:pPr lvl="4"/>
             <a:r>
-              <a:rPr lang="es-ES" smtClean="0"/>
+              <a:rPr lang="es-ES"/>
               <a:t>Quinto nivel</a:t>
             </a:r>
             <a:endParaRPr lang="en-US" dirty="0"/>
@@ -529,7 +529,7 @@
           <a:lstStyle/>
           <a:p>
             <a:r>
-              <a:rPr lang="es-ES" smtClean="0"/>
+              <a:rPr lang="es-ES"/>
               <a:t>Haga clic para modificar el estilo de título del patrón</a:t>
             </a:r>
             <a:endParaRPr lang="en-US" dirty="0"/>
@@ -558,35 +558,35 @@
           <a:p>
             <a:pPr lvl="0"/>
             <a:r>
-              <a:rPr lang="es-ES" smtClean="0"/>
+              <a:rPr lang="es-ES"/>
               <a:t>Editar el estilo de texto del patrón</a:t>
             </a:r>
           </a:p>
           <a:p>
             <a:pPr lvl="1"/>
             <a:r>
-              <a:rPr lang="es-ES" smtClean="0"/>
+              <a:rPr lang="es-ES"/>
               <a:t>Segundo nivel</a:t>
             </a:r>
           </a:p>
           <a:p>
             <a:pPr lvl="2"/>
             <a:r>
-              <a:rPr lang="es-ES" smtClean="0"/>
+              <a:rPr lang="es-ES"/>
               <a:t>Tercer nivel</a:t>
             </a:r>
           </a:p>
           <a:p>
             <a:pPr lvl="3"/>
             <a:r>
-              <a:rPr lang="es-ES" smtClean="0"/>
+              <a:rPr lang="es-ES"/>
               <a:t>Cuarto nivel</a:t>
             </a:r>
           </a:p>
           <a:p>
             <a:pPr lvl="4"/>
             <a:r>
-              <a:rPr lang="es-ES" smtClean="0"/>
+              <a:rPr lang="es-ES"/>
               <a:t>Quinto nivel</a:t>
             </a:r>
             <a:endParaRPr lang="en-US" dirty="0"/>
@@ -704,7 +704,7 @@
           <a:lstStyle/>
           <a:p>
             <a:r>
-              <a:rPr lang="es-ES" smtClean="0"/>
+              <a:rPr lang="es-ES"/>
               <a:t>Haga clic para modificar el estilo de título del patrón</a:t>
             </a:r>
             <a:endParaRPr lang="en-US" dirty="0"/>
@@ -728,35 +728,35 @@
           <a:p>
             <a:pPr lvl="0"/>
             <a:r>
-              <a:rPr lang="es-ES" smtClean="0"/>
+              <a:rPr lang="es-ES"/>
               <a:t>Editar el estilo de texto del patrón</a:t>
             </a:r>
           </a:p>
           <a:p>
             <a:pPr lvl="1"/>
             <a:r>
-              <a:rPr lang="es-ES" smtClean="0"/>
+              <a:rPr lang="es-ES"/>
               <a:t>Segundo nivel</a:t>
             </a:r>
           </a:p>
           <a:p>
             <a:pPr lvl="2"/>
             <a:r>
-              <a:rPr lang="es-ES" smtClean="0"/>
+              <a:rPr lang="es-ES"/>
               <a:t>Tercer nivel</a:t>
             </a:r>
           </a:p>
           <a:p>
             <a:pPr lvl="3"/>
             <a:r>
-              <a:rPr lang="es-ES" smtClean="0"/>
+              <a:rPr lang="es-ES"/>
               <a:t>Cuarto nivel</a:t>
             </a:r>
           </a:p>
           <a:p>
             <a:pPr lvl="4"/>
             <a:r>
-              <a:rPr lang="es-ES" smtClean="0"/>
+              <a:rPr lang="es-ES"/>
               <a:t>Quinto nivel</a:t>
             </a:r>
             <a:endParaRPr lang="en-US" dirty="0"/>
@@ -883,7 +883,7 @@
           </a:lstStyle>
           <a:p>
             <a:r>
-              <a:rPr lang="es-ES" smtClean="0"/>
+              <a:rPr lang="es-ES"/>
               <a:t>Haga clic para modificar el estilo de título del patrón</a:t>
             </a:r>
             <a:endParaRPr lang="en-US" dirty="0"/>
@@ -1003,7 +1003,7 @@
           <a:p>
             <a:pPr lvl="0"/>
             <a:r>
-              <a:rPr lang="es-ES" smtClean="0"/>
+              <a:rPr lang="es-ES"/>
               <a:t>Editar el estilo de texto del patrón</a:t>
             </a:r>
           </a:p>
@@ -1120,7 +1120,7 @@
           <a:lstStyle/>
           <a:p>
             <a:r>
-              <a:rPr lang="es-ES" smtClean="0"/>
+              <a:rPr lang="es-ES"/>
               <a:t>Haga clic para modificar el estilo de título del patrón</a:t>
             </a:r>
             <a:endParaRPr lang="en-US" dirty="0"/>
@@ -1149,35 +1149,35 @@
           <a:p>
             <a:pPr lvl="0"/>
             <a:r>
-              <a:rPr lang="es-ES" smtClean="0"/>
+              <a:rPr lang="es-ES"/>
               <a:t>Editar el estilo de texto del patrón</a:t>
             </a:r>
           </a:p>
           <a:p>
             <a:pPr lvl="1"/>
             <a:r>
-              <a:rPr lang="es-ES" smtClean="0"/>
+              <a:rPr lang="es-ES"/>
               <a:t>Segundo nivel</a:t>
             </a:r>
           </a:p>
           <a:p>
             <a:pPr lvl="2"/>
             <a:r>
-              <a:rPr lang="es-ES" smtClean="0"/>
+              <a:rPr lang="es-ES"/>
               <a:t>Tercer nivel</a:t>
             </a:r>
           </a:p>
           <a:p>
             <a:pPr lvl="3"/>
             <a:r>
-              <a:rPr lang="es-ES" smtClean="0"/>
+              <a:rPr lang="es-ES"/>
               <a:t>Cuarto nivel</a:t>
             </a:r>
           </a:p>
           <a:p>
             <a:pPr lvl="4"/>
             <a:r>
-              <a:rPr lang="es-ES" smtClean="0"/>
+              <a:rPr lang="es-ES"/>
               <a:t>Quinto nivel</a:t>
             </a:r>
             <a:endParaRPr lang="en-US" dirty="0"/>
@@ -1206,35 +1206,35 @@
           <a:p>
             <a:pPr lvl="0"/>
             <a:r>
-              <a:rPr lang="es-ES" smtClean="0"/>
+              <a:rPr lang="es-ES"/>
               <a:t>Editar el estilo de texto del patrón</a:t>
             </a:r>
           </a:p>
           <a:p>
             <a:pPr lvl="1"/>
             <a:r>
-              <a:rPr lang="es-ES" smtClean="0"/>
+              <a:rPr lang="es-ES"/>
               <a:t>Segundo nivel</a:t>
             </a:r>
           </a:p>
           <a:p>
             <a:pPr lvl="2"/>
             <a:r>
-              <a:rPr lang="es-ES" smtClean="0"/>
+              <a:rPr lang="es-ES"/>
               <a:t>Tercer nivel</a:t>
             </a:r>
           </a:p>
           <a:p>
             <a:pPr lvl="3"/>
             <a:r>
-              <a:rPr lang="es-ES" smtClean="0"/>
+              <a:rPr lang="es-ES"/>
               <a:t>Cuarto nivel</a:t>
             </a:r>
           </a:p>
           <a:p>
             <a:pPr lvl="4"/>
             <a:r>
-              <a:rPr lang="es-ES" smtClean="0"/>
+              <a:rPr lang="es-ES"/>
               <a:t>Quinto nivel</a:t>
             </a:r>
             <a:endParaRPr lang="en-US" dirty="0"/>
@@ -1357,7 +1357,7 @@
           <a:lstStyle/>
           <a:p>
             <a:r>
-              <a:rPr lang="es-ES" smtClean="0"/>
+              <a:rPr lang="es-ES"/>
               <a:t>Haga clic para modificar el estilo de título del patrón</a:t>
             </a:r>
             <a:endParaRPr lang="en-US" dirty="0"/>
@@ -1423,7 +1423,7 @@
           <a:p>
             <a:pPr lvl="0"/>
             <a:r>
-              <a:rPr lang="es-ES" smtClean="0"/>
+              <a:rPr lang="es-ES"/>
               <a:t>Editar el estilo de texto del patrón</a:t>
             </a:r>
           </a:p>
@@ -1451,35 +1451,35 @@
           <a:p>
             <a:pPr lvl="0"/>
             <a:r>
-              <a:rPr lang="es-ES" smtClean="0"/>
+              <a:rPr lang="es-ES"/>
               <a:t>Editar el estilo de texto del patrón</a:t>
             </a:r>
           </a:p>
           <a:p>
             <a:pPr lvl="1"/>
             <a:r>
-              <a:rPr lang="es-ES" smtClean="0"/>
+              <a:rPr lang="es-ES"/>
               <a:t>Segundo nivel</a:t>
             </a:r>
           </a:p>
           <a:p>
             <a:pPr lvl="2"/>
             <a:r>
-              <a:rPr lang="es-ES" smtClean="0"/>
+              <a:rPr lang="es-ES"/>
               <a:t>Tercer nivel</a:t>
             </a:r>
           </a:p>
           <a:p>
             <a:pPr lvl="3"/>
             <a:r>
-              <a:rPr lang="es-ES" smtClean="0"/>
+              <a:rPr lang="es-ES"/>
               <a:t>Cuarto nivel</a:t>
             </a:r>
           </a:p>
           <a:p>
             <a:pPr lvl="4"/>
             <a:r>
-              <a:rPr lang="es-ES" smtClean="0"/>
+              <a:rPr lang="es-ES"/>
               <a:t>Quinto nivel</a:t>
             </a:r>
             <a:endParaRPr lang="en-US" dirty="0"/>
@@ -1545,7 +1545,7 @@
           <a:p>
             <a:pPr lvl="0"/>
             <a:r>
-              <a:rPr lang="es-ES" smtClean="0"/>
+              <a:rPr lang="es-ES"/>
               <a:t>Editar el estilo de texto del patrón</a:t>
             </a:r>
           </a:p>
@@ -1573,35 +1573,35 @@
           <a:p>
             <a:pPr lvl="0"/>
             <a:r>
-              <a:rPr lang="es-ES" smtClean="0"/>
+              <a:rPr lang="es-ES"/>
               <a:t>Editar el estilo de texto del patrón</a:t>
             </a:r>
           </a:p>
           <a:p>
             <a:pPr lvl="1"/>
             <a:r>
-              <a:rPr lang="es-ES" smtClean="0"/>
+              <a:rPr lang="es-ES"/>
               <a:t>Segundo nivel</a:t>
             </a:r>
           </a:p>
           <a:p>
             <a:pPr lvl="2"/>
             <a:r>
-              <a:rPr lang="es-ES" smtClean="0"/>
+              <a:rPr lang="es-ES"/>
               <a:t>Tercer nivel</a:t>
             </a:r>
           </a:p>
           <a:p>
             <a:pPr lvl="3"/>
             <a:r>
-              <a:rPr lang="es-ES" smtClean="0"/>
+              <a:rPr lang="es-ES"/>
               <a:t>Cuarto nivel</a:t>
             </a:r>
           </a:p>
           <a:p>
             <a:pPr lvl="4"/>
             <a:r>
-              <a:rPr lang="es-ES" smtClean="0"/>
+              <a:rPr lang="es-ES"/>
               <a:t>Quinto nivel</a:t>
             </a:r>
             <a:endParaRPr lang="en-US" dirty="0"/>
@@ -1719,7 +1719,7 @@
           <a:lstStyle/>
           <a:p>
             <a:r>
-              <a:rPr lang="es-ES" smtClean="0"/>
+              <a:rPr lang="es-ES"/>
               <a:t>Haga clic para modificar el estilo de título del patrón</a:t>
             </a:r>
             <a:endParaRPr lang="en-US" dirty="0"/>
@@ -1941,7 +1941,7 @@
           </a:lstStyle>
           <a:p>
             <a:r>
-              <a:rPr lang="es-ES" smtClean="0"/>
+              <a:rPr lang="es-ES"/>
               <a:t>Haga clic para modificar el estilo de título del patrón</a:t>
             </a:r>
             <a:endParaRPr lang="en-US" dirty="0"/>
@@ -1998,35 +1998,35 @@
           <a:p>
             <a:pPr lvl="0"/>
             <a:r>
-              <a:rPr lang="es-ES" smtClean="0"/>
+              <a:rPr lang="es-ES"/>
               <a:t>Editar el estilo de texto del patrón</a:t>
             </a:r>
           </a:p>
           <a:p>
             <a:pPr lvl="1"/>
             <a:r>
-              <a:rPr lang="es-ES" smtClean="0"/>
+              <a:rPr lang="es-ES"/>
               <a:t>Segundo nivel</a:t>
             </a:r>
           </a:p>
           <a:p>
             <a:pPr lvl="2"/>
             <a:r>
-              <a:rPr lang="es-ES" smtClean="0"/>
+              <a:rPr lang="es-ES"/>
               <a:t>Tercer nivel</a:t>
             </a:r>
           </a:p>
           <a:p>
             <a:pPr lvl="3"/>
             <a:r>
-              <a:rPr lang="es-ES" smtClean="0"/>
+              <a:rPr lang="es-ES"/>
               <a:t>Cuarto nivel</a:t>
             </a:r>
           </a:p>
           <a:p>
             <a:pPr lvl="4"/>
             <a:r>
-              <a:rPr lang="es-ES" smtClean="0"/>
+              <a:rPr lang="es-ES"/>
               <a:t>Quinto nivel</a:t>
             </a:r>
             <a:endParaRPr lang="en-US" dirty="0"/>
@@ -2092,7 +2092,7 @@
           <a:p>
             <a:pPr lvl="0"/>
             <a:r>
-              <a:rPr lang="es-ES" smtClean="0"/>
+              <a:rPr lang="es-ES"/>
               <a:t>Editar el estilo de texto del patrón</a:t>
             </a:r>
           </a:p>
@@ -2218,7 +2218,7 @@
           </a:lstStyle>
           <a:p>
             <a:r>
-              <a:rPr lang="es-ES" smtClean="0"/>
+              <a:rPr lang="es-ES"/>
               <a:t>Haga clic para modificar el estilo de título del patrón</a:t>
             </a:r>
             <a:endParaRPr lang="en-US" dirty="0"/>
@@ -2283,7 +2283,7 @@
           </a:lstStyle>
           <a:p>
             <a:r>
-              <a:rPr lang="es-ES" smtClean="0"/>
+              <a:rPr lang="es-ES"/>
               <a:t>Haga clic en el icono para agregar una imagen</a:t>
             </a:r>
             <a:endParaRPr lang="en-US" dirty="0"/>
@@ -2349,7 +2349,7 @@
           <a:p>
             <a:pPr lvl="0"/>
             <a:r>
-              <a:rPr lang="es-ES" smtClean="0"/>
+              <a:rPr lang="es-ES"/>
               <a:t>Editar el estilo de texto del patrón</a:t>
             </a:r>
           </a:p>
@@ -2481,7 +2481,7 @@
           <a:lstStyle/>
           <a:p>
             <a:r>
-              <a:rPr lang="es-ES" smtClean="0"/>
+              <a:rPr lang="es-ES"/>
               <a:t>Haga clic para modificar el estilo de título del patrón</a:t>
             </a:r>
             <a:endParaRPr lang="en-US" dirty="0"/>
@@ -2515,35 +2515,35 @@
           <a:p>
             <a:pPr lvl="0"/>
             <a:r>
-              <a:rPr lang="es-ES" smtClean="0"/>
+              <a:rPr lang="es-ES"/>
               <a:t>Editar el estilo de texto del patrón</a:t>
             </a:r>
           </a:p>
           <a:p>
             <a:pPr lvl="1"/>
             <a:r>
-              <a:rPr lang="es-ES" smtClean="0"/>
+              <a:rPr lang="es-ES"/>
               <a:t>Segundo nivel</a:t>
             </a:r>
           </a:p>
           <a:p>
             <a:pPr lvl="2"/>
             <a:r>
-              <a:rPr lang="es-ES" smtClean="0"/>
+              <a:rPr lang="es-ES"/>
               <a:t>Tercer nivel</a:t>
             </a:r>
           </a:p>
           <a:p>
             <a:pPr lvl="3"/>
             <a:r>
-              <a:rPr lang="es-ES" smtClean="0"/>
+              <a:rPr lang="es-ES"/>
               <a:t>Cuarto nivel</a:t>
             </a:r>
           </a:p>
           <a:p>
             <a:pPr lvl="4"/>
             <a:r>
-              <a:rPr lang="es-ES" smtClean="0"/>
+              <a:rPr lang="es-ES"/>
               <a:t>Quinto nivel</a:t>
             </a:r>
             <a:endParaRPr lang="en-US" dirty="0"/>
@@ -3006,11 +3006,11 @@
           <a:lstStyle/>
           <a:p>
             <a:r>
-              <a:rPr lang="es-ES" b="1" dirty="0" smtClean="0"/>
+              <a:rPr lang="es-ES" b="1" dirty="0"/>
               <a:t>CINES BARTOLO  (</a:t>
             </a:r>
             <a:r>
-              <a:rPr lang="es-ES" i="1" dirty="0" smtClean="0"/>
+              <a:rPr lang="es-ES" i="1" dirty="0"/>
               <a:t>WIKI)</a:t>
             </a:r>
             <a:endParaRPr lang="es-ES" b="1" dirty="0"/>
@@ -3035,25 +3035,25 @@
           <a:lstStyle/>
           <a:p>
             <a:r>
-              <a:rPr lang="es-ES" dirty="0" smtClean="0"/>
+              <a:rPr lang="es-ES" dirty="0"/>
               <a:t>Desarrollado por:</a:t>
             </a:r>
           </a:p>
           <a:p>
             <a:r>
-              <a:rPr lang="es-ES" dirty="0" smtClean="0"/>
+              <a:rPr lang="es-ES" dirty="0"/>
               <a:t>José Ignacio Brea García</a:t>
             </a:r>
           </a:p>
           <a:p>
             <a:r>
-              <a:rPr lang="es-ES" dirty="0" smtClean="0"/>
+              <a:rPr lang="es-ES" dirty="0"/>
               <a:t>Luis De la Fuente Martín</a:t>
             </a:r>
           </a:p>
           <a:p>
             <a:r>
-              <a:rPr lang="es-ES" dirty="0" smtClean="0"/>
+              <a:rPr lang="es-ES" dirty="0"/>
               <a:t>Diego Bartolomé Sanza</a:t>
             </a:r>
           </a:p>
@@ -3072,13 +3072,6 @@
   <p:clrMapOvr>
     <a:masterClrMapping/>
   </p:clrMapOvr>
-  <p:timing>
-    <p:tnLst>
-      <p:par>
-        <p:cTn id="1" dur="indefinite" restart="never" nodeType="tmRoot"/>
-      </p:par>
-    </p:tnLst>
-  </p:timing>
 </p:sld>
 </file>
 
@@ -3115,10 +3108,9 @@
           <a:lstStyle/>
           <a:p>
             <a:r>
-              <a:rPr lang="es-ES" b="1" dirty="0" smtClean="0"/>
+              <a:rPr lang="es-ES" b="1" dirty="0"/>
               <a:t>OBJETIVOS INICIALES</a:t>
             </a:r>
-            <a:endParaRPr lang="es-ES" b="1" dirty="0"/>
           </a:p>
         </p:txBody>
       </p:sp>
@@ -3140,8 +3132,38 @@
           <a:lstStyle/>
           <a:p>
             <a:r>
-              <a:rPr lang="es-ES" dirty="0" smtClean="0"/>
+              <a:rPr lang="es-ES" dirty="0"/>
               <a:t>Realizar un programa para la compra de entradas de un cine con:</a:t>
+            </a:r>
+          </a:p>
+          <a:p>
+            <a:pPr marL="514350" indent="-514350" algn="just">
+              <a:buFont typeface="+mj-lt"/>
+              <a:buAutoNum type="arabicPeriod"/>
+            </a:pPr>
+            <a:r>
+              <a:rPr lang="es-ES" dirty="0"/>
+              <a:t>Una matriz y un sistema de coordenadas para elegir los asientos de cada sala del cine.</a:t>
+            </a:r>
+          </a:p>
+          <a:p>
+            <a:pPr marL="514350" indent="-514350" algn="just">
+              <a:buFont typeface="+mj-lt"/>
+              <a:buAutoNum type="arabicPeriod"/>
+            </a:pPr>
+            <a:r>
+              <a:rPr lang="es-ES" dirty="0"/>
+              <a:t>Posibilidad de elegir entre los distintos tipos de géneros cinematográficos y sus respectivas películas.</a:t>
+            </a:r>
+          </a:p>
+          <a:p>
+            <a:pPr marL="514350" indent="-514350" algn="just">
+              <a:buFont typeface="+mj-lt"/>
+              <a:buAutoNum type="arabicPeriod"/>
+            </a:pPr>
+            <a:r>
+              <a:rPr lang="es-ES" dirty="0"/>
+              <a:t>Implementar un reloj que según la hora a la que compres la entrada te la seleccione para la sesión del mismo día o del día siguiente si ya se ha pasado la hora.</a:t>
             </a:r>
           </a:p>
           <a:p>
@@ -3150,8 +3172,18 @@
               <a:buAutoNum type="arabicPeriod"/>
             </a:pPr>
             <a:r>
-              <a:rPr lang="es-ES" dirty="0" smtClean="0"/>
-              <a:t>Una matriz y un sistema de coordenadas para elegir los asientos de cada sala del cine.</a:t>
+              <a:rPr lang="es-ES" dirty="0"/>
+              <a:t>Posibilidad de aplicar descuentos a los usuarios que estén registrados.</a:t>
+            </a:r>
+          </a:p>
+          <a:p>
+            <a:pPr marL="514350" indent="-514350" algn="just">
+              <a:buFont typeface="+mj-lt"/>
+              <a:buAutoNum type="arabicPeriod"/>
+            </a:pPr>
+            <a:r>
+              <a:rPr lang="es-ES" dirty="0"/>
+              <a:t>Una sección de empleados, a través de la cual se podrán resetear los ficheros.</a:t>
             </a:r>
           </a:p>
           <a:p>
@@ -3159,62 +3191,14 @@
               <a:buFont typeface="+mj-lt"/>
               <a:buAutoNum type="arabicPeriod"/>
             </a:pPr>
-            <a:r>
-              <a:rPr lang="es-ES" dirty="0" smtClean="0"/>
-              <a:t>La posibilidad de elegir entre los distintos tipos de géneros </a:t>
-            </a:r>
-            <a:r>
-              <a:rPr lang="es-ES" dirty="0" smtClean="0"/>
-              <a:t>cinematográficos </a:t>
-            </a:r>
-            <a:r>
-              <a:rPr lang="es-ES" dirty="0" smtClean="0"/>
-              <a:t>y sus respectivas películas.</a:t>
-            </a:r>
+            <a:endParaRPr lang="es-ES" dirty="0"/>
           </a:p>
           <a:p>
             <a:pPr marL="514350" indent="-514350">
               <a:buFont typeface="+mj-lt"/>
               <a:buAutoNum type="arabicPeriod"/>
             </a:pPr>
-            <a:r>
-              <a:rPr lang="es-ES" dirty="0" smtClean="0"/>
-              <a:t>Implementar un reloj que según la hora a la que compres la entrada te la seleccione para la sesión del mismo día o del día siguiente si ya se ha pasado la hora.</a:t>
-            </a:r>
-          </a:p>
-          <a:p>
-            <a:pPr marL="514350" indent="-514350">
-              <a:buFont typeface="+mj-lt"/>
-              <a:buAutoNum type="arabicPeriod"/>
-            </a:pPr>
-            <a:r>
-              <a:rPr lang="es-ES" dirty="0" smtClean="0"/>
-              <a:t>Posibilidad de aplicar descuentos a los usuarios que estén registrados.</a:t>
-            </a:r>
-          </a:p>
-          <a:p>
-            <a:pPr marL="514350" indent="-514350">
-              <a:buFont typeface="+mj-lt"/>
-              <a:buAutoNum type="arabicPeriod"/>
-            </a:pPr>
-            <a:r>
-              <a:rPr lang="es-ES" dirty="0" smtClean="0"/>
-              <a:t>Una sección de empleados, a través de la cual se podrán resetear los ficheros.</a:t>
-            </a:r>
-          </a:p>
-          <a:p>
-            <a:pPr marL="514350" indent="-514350">
-              <a:buFont typeface="+mj-lt"/>
-              <a:buAutoNum type="arabicPeriod"/>
-            </a:pPr>
-            <a:endParaRPr lang="es-ES" dirty="0" smtClean="0"/>
-          </a:p>
-          <a:p>
-            <a:pPr marL="514350" indent="-514350">
-              <a:buFont typeface="+mj-lt"/>
-              <a:buAutoNum type="arabicPeriod"/>
-            </a:pPr>
-            <a:endParaRPr lang="es-ES" dirty="0" smtClean="0"/>
+            <a:endParaRPr lang="es-ES" dirty="0"/>
           </a:p>
           <a:p>
             <a:endParaRPr lang="es-ES" dirty="0"/>
@@ -3267,10 +3251,9 @@
           <a:lstStyle/>
           <a:p>
             <a:r>
-              <a:rPr lang="es-ES" b="1" dirty="0" smtClean="0"/>
+              <a:rPr lang="es-ES" b="1" dirty="0"/>
               <a:t>Funcionalidades implementadas</a:t>
             </a:r>
-            <a:endParaRPr lang="es-ES" b="1" dirty="0"/>
           </a:p>
         </p:txBody>
       </p:sp>
@@ -3292,7 +3275,7 @@
           <a:lstStyle/>
           <a:p>
             <a:r>
-              <a:rPr lang="es-ES" sz="1400" dirty="0" smtClean="0"/>
+              <a:rPr lang="es-ES" sz="1400" dirty="0"/>
               <a:t>El menú principal tendrá las siguientes posibilidades:</a:t>
             </a:r>
           </a:p>
@@ -3300,54 +3283,46 @@
             <a:pPr marL="0" indent="0">
               <a:buNone/>
             </a:pPr>
-            <a:endParaRPr lang="es-ES" sz="1400" dirty="0" smtClean="0"/>
-          </a:p>
-          <a:p>
-            <a:r>
-              <a:rPr lang="es-ES" sz="1400" dirty="0" smtClean="0"/>
+            <a:endParaRPr lang="es-ES" sz="1400" dirty="0"/>
+          </a:p>
+          <a:p>
+            <a:pPr algn="just"/>
+            <a:r>
+              <a:rPr lang="es-ES" sz="1400" dirty="0"/>
               <a:t>Este menú se ha creado con un </a:t>
             </a:r>
             <a:r>
-              <a:rPr lang="es-ES" sz="1400" dirty="0" err="1" smtClean="0"/>
+              <a:rPr lang="es-ES" sz="1400" dirty="0" err="1"/>
               <a:t>switch</a:t>
             </a:r>
             <a:r>
-              <a:rPr lang="es-ES" sz="1400" dirty="0" smtClean="0"/>
+              <a:rPr lang="es-ES" sz="1400" dirty="0"/>
               <a:t>(opción) case, en el que en cada case se ha implementado un `</a:t>
             </a:r>
             <a:r>
-              <a:rPr lang="es-ES" sz="1400" dirty="0" err="1" smtClean="0"/>
+              <a:rPr lang="es-ES" sz="1400" dirty="0" err="1"/>
               <a:t>system</a:t>
             </a:r>
             <a:r>
-              <a:rPr lang="es-ES" sz="1400" dirty="0" smtClean="0"/>
+              <a:rPr lang="es-ES" sz="1400" dirty="0"/>
               <a:t>("</a:t>
             </a:r>
             <a:r>
-              <a:rPr lang="es-ES" sz="1400" dirty="0" err="1" smtClean="0"/>
+              <a:rPr lang="es-ES" sz="1400" dirty="0" err="1"/>
               <a:t>cls</a:t>
             </a:r>
             <a:r>
-              <a:rPr lang="es-ES" sz="1400" dirty="0" smtClean="0"/>
+              <a:rPr lang="es-ES" sz="1400" dirty="0"/>
               <a:t>");` para que aparezca por pantalla solo las opciones que están dentro de dicho case.</a:t>
             </a:r>
-            <a:endParaRPr lang="es-ES" sz="1400" dirty="0"/>
           </a:p>
           <a:p>
             <a:pPr marL="457200" lvl="1" indent="0">
               <a:buNone/>
             </a:pPr>
             <a:r>
-              <a:rPr lang="es-ES" sz="1400" dirty="0" smtClean="0"/>
-              <a:t>1. En el primer `case` </a:t>
-            </a:r>
-            <a:r>
-              <a:rPr lang="es-ES" sz="1400" dirty="0" smtClean="0"/>
-              <a:t>está </a:t>
-            </a:r>
-            <a:r>
-              <a:rPr lang="es-ES" sz="1400" dirty="0" smtClean="0"/>
-              <a:t>la cartelera y mediante la función </a:t>
+              <a:rPr lang="es-ES" sz="1400" dirty="0"/>
+              <a:t>1. En el primer `case` está la cartelera y mediante la función </a:t>
             </a:r>
           </a:p>
           <a:p>
@@ -3355,15 +3330,15 @@
               <a:buNone/>
             </a:pPr>
             <a:r>
-              <a:rPr lang="es-ES" sz="1400" dirty="0" smtClean="0"/>
+              <a:rPr lang="es-ES" sz="1400" dirty="0"/>
               <a:t>“</a:t>
             </a:r>
             <a:r>
-              <a:rPr lang="es-ES" sz="1400" dirty="0" err="1" smtClean="0"/>
+              <a:rPr lang="es-ES" sz="1400" dirty="0" err="1"/>
               <a:t>pediropcion</a:t>
             </a:r>
             <a:r>
-              <a:rPr lang="es-ES" sz="1400" dirty="0" smtClean="0"/>
+              <a:rPr lang="es-ES" sz="1400" dirty="0"/>
               <a:t>” podremos elegir entre los distintos géneros, cada</a:t>
             </a:r>
           </a:p>
@@ -3372,7 +3347,7 @@
               <a:buNone/>
             </a:pPr>
             <a:r>
-              <a:rPr lang="es-ES" sz="1400" dirty="0" smtClean="0"/>
+              <a:rPr lang="es-ES" sz="1400" dirty="0"/>
               <a:t>uno de los cuales contiene un fichero con las distintas películas </a:t>
             </a:r>
           </a:p>
@@ -3381,13 +3356,12 @@
               <a:buNone/>
             </a:pPr>
             <a:r>
-              <a:rPr lang="es-ES" sz="1400" dirty="0" smtClean="0"/>
+              <a:rPr lang="es-ES" sz="1400" dirty="0"/>
               <a:t>de cada género al cual accedemos mediante la comparación   </a:t>
             </a:r>
-            <a:endParaRPr lang="es-ES" sz="1400" dirty="0"/>
-          </a:p>
-          <a:p>
-            <a:pPr marL="457200" lvl="1" indent="0">
+          </a:p>
+          <a:p>
+            <a:pPr marL="457200" lvl="1" indent="0" algn="just">
               <a:buNone/>
             </a:pPr>
             <a:r>
@@ -3400,64 +3374,51 @@
             </a:r>
             <a:r>
               <a:rPr lang="es-ES" sz="1400" dirty="0"/>
-              <a:t>(Comedia)) != EOF) </a:t>
-            </a:r>
-            <a:r>
-              <a:rPr lang="es-ES" sz="1400" dirty="0" smtClean="0"/>
-              <a:t>`</a:t>
-            </a:r>
-            <a:r>
-              <a:rPr lang="es-ES" sz="1400" dirty="0"/>
-              <a:t> </a:t>
-            </a:r>
-            <a:r>
-              <a:rPr lang="es-ES" sz="1400" dirty="0" smtClean="0"/>
-              <a:t>( con esto imprimimos todo el fichero), después volvemos a usar la función “</a:t>
-            </a:r>
-            <a:r>
-              <a:rPr lang="es-ES" sz="1400" dirty="0" err="1" smtClean="0"/>
+              <a:t>(Comedia)) != EOF) ` ( con esto imprimimos todo el fichero), después volvemos a usar la función “</a:t>
+            </a:r>
+            <a:r>
+              <a:rPr lang="es-ES" sz="1400" dirty="0" err="1"/>
               <a:t>pediropcion</a:t>
             </a:r>
             <a:r>
-              <a:rPr lang="es-ES" sz="1400" dirty="0" smtClean="0"/>
+              <a:rPr lang="es-ES" sz="1400" dirty="0"/>
               <a:t>”</a:t>
             </a:r>
           </a:p>
           <a:p>
+            <a:pPr marL="457200" lvl="1" indent="0" algn="just">
+              <a:buNone/>
+            </a:pPr>
+            <a:r>
+              <a:rPr lang="es-ES" sz="1400" dirty="0"/>
+              <a:t>para elegir la película y con la función “</a:t>
+            </a:r>
+            <a:r>
+              <a:rPr lang="es-ES" sz="1400" dirty="0" err="1"/>
+              <a:t>compraentrada</a:t>
+            </a:r>
+            <a:r>
+              <a:rPr lang="es-ES" sz="1400" dirty="0"/>
+              <a:t>” en el fichero de la película que hallamos seleccionado podremos llevar a cabo la compra de las entradas que queramos, al comprar la entrada con la función `disponible` y la función `tiempo` el programa te dirá si tienes que coger la hora para el día siguiente, si se ha pasado la hora o si puedes coger la de ese mismo día.</a:t>
+            </a:r>
+          </a:p>
+          <a:p>
+            <a:pPr marL="457200" lvl="1" indent="0" algn="just">
+              <a:buNone/>
+            </a:pPr>
+            <a:endParaRPr lang="es-ES" sz="1400" dirty="0"/>
+          </a:p>
+          <a:p>
             <a:pPr marL="457200" lvl="1" indent="0">
               <a:buNone/>
             </a:pPr>
-            <a:r>
-              <a:rPr lang="es-ES" sz="1400" dirty="0"/>
-              <a:t>p</a:t>
-            </a:r>
-            <a:r>
-              <a:rPr lang="es-ES" sz="1400" dirty="0" smtClean="0"/>
-              <a:t>ara elegir la película y con la función “</a:t>
-            </a:r>
-            <a:r>
-              <a:rPr lang="es-ES" sz="1400" dirty="0" err="1" smtClean="0"/>
-              <a:t>compraentrada</a:t>
-            </a:r>
-            <a:r>
-              <a:rPr lang="es-ES" sz="1400" dirty="0" smtClean="0"/>
-              <a:t>” en el fichero de la película que hallamos seleccionado podremos llevar a cabo la compra de las entradas que </a:t>
-            </a:r>
-            <a:r>
-              <a:rPr lang="es-ES" sz="1400" dirty="0" smtClean="0"/>
-              <a:t>queramos, </a:t>
-            </a:r>
-            <a:r>
-              <a:rPr lang="es-ES" sz="1400" dirty="0" smtClean="0"/>
-              <a:t>al comprar la entrada con la función `disponible` y la función `tiempo` el programa te dirá si tienes que coger la hora para el día siguiente si se ha pasado la hora o si puedes coger la de ese mismo día.</a:t>
-            </a:r>
             <a:endParaRPr lang="es-ES" sz="1400" dirty="0"/>
           </a:p>
           <a:p>
             <a:pPr marL="457200" lvl="1" indent="0">
               <a:buNone/>
             </a:pPr>
-            <a:endParaRPr lang="es-ES" sz="1400" dirty="0" smtClean="0"/>
+            <a:endParaRPr lang="es-ES" sz="1400" dirty="0"/>
           </a:p>
           <a:p>
             <a:pPr marL="457200" lvl="1" indent="0">
@@ -3469,19 +3430,19 @@
             <a:pPr marL="457200" lvl="1" indent="0">
               <a:buNone/>
             </a:pPr>
-            <a:endParaRPr lang="es-ES" sz="1400" dirty="0" smtClean="0"/>
+            <a:endParaRPr lang="es-ES" sz="1400" dirty="0"/>
           </a:p>
           <a:p>
             <a:pPr marL="457200" lvl="1" indent="0">
               <a:buNone/>
             </a:pPr>
-            <a:endParaRPr lang="es-ES" sz="1400" dirty="0" smtClean="0"/>
+            <a:endParaRPr lang="es-ES" sz="1400" dirty="0"/>
           </a:p>
           <a:p>
             <a:pPr marL="457200" lvl="1" indent="0">
               <a:buNone/>
             </a:pPr>
-            <a:endParaRPr lang="es-ES" sz="1400" dirty="0" smtClean="0"/>
+            <a:endParaRPr lang="es-ES" sz="1400" dirty="0"/>
           </a:p>
           <a:p>
             <a:pPr marL="457200" lvl="1" indent="0">
@@ -3493,19 +3454,7 @@
             <a:pPr marL="457200" lvl="1" indent="0">
               <a:buNone/>
             </a:pPr>
-            <a:endParaRPr lang="es-ES" sz="1400" dirty="0" smtClean="0"/>
-          </a:p>
-          <a:p>
-            <a:pPr marL="457200" lvl="1" indent="0">
-              <a:buNone/>
-            </a:pPr>
             <a:endParaRPr lang="es-ES" sz="1400" dirty="0"/>
-          </a:p>
-          <a:p>
-            <a:pPr marL="457200" lvl="1" indent="0">
-              <a:buNone/>
-            </a:pPr>
-            <a:endParaRPr lang="es-ES" sz="1400" dirty="0" smtClean="0"/>
           </a:p>
         </p:txBody>
       </p:sp>
@@ -3611,13 +3560,6 @@
   <p:clrMapOvr>
     <a:masterClrMapping/>
   </p:clrMapOvr>
-  <p:timing>
-    <p:tnLst>
-      <p:par>
-        <p:cTn id="1" dur="indefinite" restart="never" nodeType="tmRoot"/>
-      </p:par>
-    </p:tnLst>
-  </p:timing>
 </p:sld>
 </file>
 
@@ -3660,204 +3602,60 @@
           </a:bodyPr>
           <a:lstStyle/>
           <a:p>
+            <a:pPr marL="457200" lvl="1" indent="0" algn="just">
+              <a:buNone/>
+            </a:pPr>
+            <a:r>
+              <a:rPr lang="es-ES" sz="1400" dirty="0"/>
+              <a:t>2. En el segundo `case` para registrarse utilizamos un `Do` `</a:t>
+            </a:r>
+            <a:r>
+              <a:rPr lang="es-ES" sz="1400" dirty="0" err="1"/>
+              <a:t>While</a:t>
+            </a:r>
+            <a:r>
+              <a:rPr lang="es-ES" sz="1400" dirty="0"/>
+              <a:t> (comp1 == 0)` para que vuelva a pedir introducir un nombre de usuario en caso de que ya exista.</a:t>
+            </a:r>
+          </a:p>
+          <a:p>
+            <a:pPr marL="457200" lvl="1" indent="0" algn="just">
+              <a:buNone/>
+            </a:pPr>
+            <a:r>
+              <a:rPr lang="es-ES" sz="1400" dirty="0"/>
+              <a:t>En caso de que no sea igual, (comp1 != 0)si el número de usuarios es igual al número máximo de usuarios no se pueden registrar mas, en caso contrario se pide el número de usuario y el de tarjeta.</a:t>
+            </a:r>
+          </a:p>
+          <a:p>
             <a:pPr marL="457200" lvl="1" indent="0">
               <a:buNone/>
             </a:pPr>
-            <a:r>
-              <a:rPr lang="es-ES" sz="1400" dirty="0"/>
-              <a:t>2. En el segundo `case</a:t>
-            </a:r>
-            <a:r>
-              <a:rPr lang="es-ES" sz="1400" dirty="0" smtClean="0"/>
-              <a:t>` para registrarse utilizamos un `Do` </a:t>
-            </a:r>
-            <a:r>
-              <a:rPr lang="es-ES" sz="1400" dirty="0"/>
-              <a:t>`</a:t>
-            </a:r>
-            <a:r>
-              <a:rPr lang="es-ES" sz="1400" dirty="0" err="1" smtClean="0"/>
-              <a:t>While</a:t>
-            </a:r>
-            <a:r>
-              <a:rPr lang="es-ES" sz="1400" dirty="0" smtClean="0"/>
-              <a:t> (</a:t>
-            </a:r>
-            <a:r>
-              <a:rPr lang="es-ES" sz="1400" dirty="0"/>
-              <a:t>comp1 == 0</a:t>
-            </a:r>
-            <a:r>
-              <a:rPr lang="es-ES" sz="1400" dirty="0" smtClean="0"/>
-              <a:t>)` para que </a:t>
-            </a:r>
-            <a:r>
-              <a:rPr lang="es-ES" sz="1400" dirty="0" smtClean="0"/>
-              <a:t>vuelva </a:t>
-            </a:r>
-            <a:r>
-              <a:rPr lang="es-ES" sz="1400" dirty="0" smtClean="0"/>
-              <a:t>a pedir introducir un nombre de usuario en caso de que ya exista.</a:t>
-            </a:r>
-          </a:p>
-          <a:p>
-            <a:pPr marL="457200" lvl="1" indent="0">
-              <a:buNone/>
-            </a:pPr>
-            <a:r>
-              <a:rPr lang="es-ES" sz="1400" dirty="0" smtClean="0"/>
-              <a:t>En caso de que no sea igual</a:t>
-            </a:r>
-            <a:r>
-              <a:rPr lang="es-ES" sz="1400" dirty="0"/>
-              <a:t>, (comp1 </a:t>
-            </a:r>
-            <a:r>
-              <a:rPr lang="es-ES" sz="1400" dirty="0" smtClean="0"/>
-              <a:t>!= </a:t>
-            </a:r>
-            <a:r>
-              <a:rPr lang="es-ES" sz="1400" dirty="0"/>
-              <a:t>0)si </a:t>
-            </a:r>
-            <a:r>
-              <a:rPr lang="es-ES" sz="1400" dirty="0" smtClean="0"/>
-              <a:t>el </a:t>
-            </a:r>
-            <a:r>
-              <a:rPr lang="es-ES" sz="1400" dirty="0" smtClean="0"/>
-              <a:t>número </a:t>
-            </a:r>
-            <a:r>
-              <a:rPr lang="es-ES" sz="1400" dirty="0" smtClean="0"/>
-              <a:t>de </a:t>
-            </a:r>
-            <a:r>
-              <a:rPr lang="es-ES" sz="1400" smtClean="0"/>
-              <a:t>usuarios </a:t>
-            </a:r>
-            <a:r>
-              <a:rPr lang="es-ES" sz="1400" smtClean="0"/>
-              <a:t>es </a:t>
-            </a:r>
-            <a:r>
-              <a:rPr lang="es-ES" sz="1400" dirty="0" smtClean="0"/>
-              <a:t>igual al número máximo de usuarios no se pueden registrar mas, en caso contrario se pide el número de usuario y el de tarjeta.</a:t>
-            </a:r>
-          </a:p>
-          <a:p>
-            <a:pPr marL="457200" lvl="1" indent="0">
-              <a:buNone/>
-            </a:pPr>
             <a:endParaRPr lang="es-ES" sz="1400" dirty="0"/>
           </a:p>
           <a:p>
-            <a:pPr marL="457200" lvl="1" indent="0">
-              <a:buNone/>
-            </a:pPr>
-            <a:r>
-              <a:rPr lang="es-ES" sz="1400" dirty="0" smtClean="0"/>
+            <a:pPr marL="457200" lvl="1" indent="0" algn="just">
+              <a:buNone/>
+            </a:pPr>
+            <a:r>
+              <a:rPr lang="es-ES" sz="1400" dirty="0"/>
               <a:t>3. En el tercer `case` con un `</a:t>
             </a:r>
             <a:r>
-              <a:rPr lang="es-ES" sz="1400" dirty="0" err="1" smtClean="0"/>
+              <a:rPr lang="es-ES" sz="1400" dirty="0" err="1"/>
               <a:t>switch</a:t>
             </a:r>
             <a:r>
-              <a:rPr lang="es-ES" sz="1400" dirty="0" smtClean="0"/>
+              <a:rPr lang="es-ES" sz="1400" dirty="0"/>
               <a:t>` y la función `</a:t>
             </a:r>
             <a:r>
-              <a:rPr lang="es-ES" sz="1400" dirty="0" err="1" smtClean="0"/>
+              <a:rPr lang="es-ES" sz="1400" dirty="0" err="1"/>
               <a:t>pediropcion</a:t>
             </a:r>
             <a:r>
-              <a:rPr lang="es-ES" sz="1400" dirty="0" smtClean="0"/>
+              <a:rPr lang="es-ES" sz="1400" dirty="0"/>
               <a:t>` podemos elegir entre contactar donde se abre un `</a:t>
-            </a:r>
-            <a:r>
-              <a:rPr lang="es-ES" sz="1400" dirty="0" err="1" smtClean="0"/>
-              <a:t>printf</a:t>
-            </a:r>
-            <a:r>
-              <a:rPr lang="es-ES" sz="1400" dirty="0" smtClean="0"/>
-              <a:t>` con la información o dar opinión donde se guarda la información que se escriba por pantalla en un fichero.</a:t>
-            </a:r>
-          </a:p>
-          <a:p>
-            <a:pPr marL="457200" lvl="1" indent="0">
-              <a:buNone/>
-            </a:pPr>
-            <a:endParaRPr lang="es-ES" sz="1400" dirty="0"/>
-          </a:p>
-          <a:p>
-            <a:pPr marL="457200" lvl="1" indent="0">
-              <a:buNone/>
-            </a:pPr>
-            <a:r>
-              <a:rPr lang="es-ES" sz="1400" dirty="0" smtClean="0"/>
-              <a:t>4. En el `case` de la ubicación simplemente se abren 2 `</a:t>
-            </a:r>
-            <a:r>
-              <a:rPr lang="es-ES" sz="1400" dirty="0" err="1" smtClean="0"/>
-              <a:t>printf</a:t>
-            </a:r>
-            <a:r>
-              <a:rPr lang="es-ES" sz="1400" dirty="0" smtClean="0"/>
-              <a:t>` con la información sobre ubicación y es número de contacto.</a:t>
-            </a:r>
-          </a:p>
-          <a:p>
-            <a:pPr marL="457200" lvl="1" indent="0">
-              <a:buNone/>
-            </a:pPr>
-            <a:endParaRPr lang="es-ES" sz="1400" dirty="0"/>
-          </a:p>
-          <a:p>
-            <a:pPr marL="457200" lvl="1" indent="0">
-              <a:buNone/>
-            </a:pPr>
-            <a:endParaRPr lang="es-ES" sz="1400" dirty="0" smtClean="0"/>
-          </a:p>
-          <a:p>
-            <a:pPr marL="457200" lvl="1" indent="0">
-              <a:buNone/>
-            </a:pPr>
-            <a:endParaRPr lang="es-ES" sz="1400" dirty="0" smtClean="0"/>
-          </a:p>
-          <a:p>
-            <a:pPr marL="457200" lvl="1" indent="0">
-              <a:buNone/>
-            </a:pPr>
-            <a:endParaRPr lang="es-ES" sz="1400" dirty="0"/>
-          </a:p>
-          <a:p>
-            <a:pPr marL="457200" lvl="1" indent="0">
-              <a:buNone/>
-            </a:pPr>
-            <a:r>
-              <a:rPr lang="es-ES" sz="1400" dirty="0" smtClean="0"/>
-              <a:t>5. En </a:t>
-            </a:r>
-            <a:r>
-              <a:rPr lang="es-ES" sz="1400" dirty="0"/>
-              <a:t>el `case` de la </a:t>
-            </a:r>
-            <a:r>
-              <a:rPr lang="es-ES" sz="1400" dirty="0" smtClean="0"/>
-              <a:t>avisos legales simplemente </a:t>
-            </a:r>
-            <a:r>
-              <a:rPr lang="es-ES" sz="1400" dirty="0"/>
-              <a:t>se </a:t>
-            </a:r>
-            <a:r>
-              <a:rPr lang="es-ES" sz="1400" dirty="0" smtClean="0"/>
-              <a:t>abre un </a:t>
-            </a:r>
-            <a:r>
-              <a:rPr lang="es-ES" sz="1400" dirty="0"/>
-              <a:t>`</a:t>
             </a:r>
             <a:r>
               <a:rPr lang="es-ES" sz="1400" dirty="0" err="1"/>
@@ -3865,11 +3663,7 @@
             </a:r>
             <a:r>
               <a:rPr lang="es-ES" sz="1400" dirty="0"/>
-              <a:t>` con la información </a:t>
-            </a:r>
-            <a:r>
-              <a:rPr lang="es-ES" sz="1400" dirty="0" smtClean="0"/>
-              <a:t>sobre estos.</a:t>
+              <a:t>` con la información o dar opinión donde se guarda la información que se escriba por pantalla en un fichero.</a:t>
             </a:r>
           </a:p>
           <a:p>
@@ -3882,7 +3676,18 @@
             <a:pPr marL="457200" lvl="1" indent="0">
               <a:buNone/>
             </a:pPr>
-            <a:endParaRPr lang="es-ES" sz="1400" dirty="0" smtClean="0"/>
+            <a:r>
+              <a:rPr lang="es-ES" sz="1400" dirty="0"/>
+              <a:t>4. En el `case` de la ubicación simplemente se abren 2 `</a:t>
+            </a:r>
+            <a:r>
+              <a:rPr lang="es-ES" sz="1400" dirty="0" err="1"/>
+              <a:t>printf</a:t>
+            </a:r>
+            <a:r>
+              <a:rPr lang="es-ES" sz="1400" dirty="0"/>
+              <a:t>` con la información sobre ubicación y el número de contacto.</a:t>
+            </a:r>
           </a:p>
           <a:p>
             <a:pPr marL="457200" lvl="1" indent="0">
@@ -3894,82 +3699,129 @@
             <a:pPr marL="457200" lvl="1" indent="0">
               <a:buNone/>
             </a:pPr>
-            <a:endParaRPr lang="es-ES" sz="1400" dirty="0" smtClean="0"/>
+            <a:endParaRPr lang="es-ES" sz="1400" dirty="0"/>
           </a:p>
           <a:p>
             <a:pPr marL="457200" lvl="1" indent="0">
               <a:buNone/>
             </a:pPr>
-            <a:r>
-              <a:rPr lang="es-ES" sz="1400" dirty="0" smtClean="0"/>
-              <a:t>6. En </a:t>
-            </a:r>
-            <a:r>
-              <a:rPr lang="es-ES" sz="1400" dirty="0"/>
-              <a:t>el `case` de </a:t>
-            </a:r>
-            <a:r>
-              <a:rPr lang="es-ES" sz="1400" dirty="0" smtClean="0"/>
-              <a:t>empleados pide por pantalla el nombre de usuario y lo compara con el nombre (Bartolo) a través de un `</a:t>
-            </a:r>
-            <a:r>
-              <a:rPr lang="es-ES" sz="1400" dirty="0" err="1" smtClean="0"/>
+            <a:endParaRPr lang="es-ES" sz="1400" dirty="0"/>
+          </a:p>
+          <a:p>
+            <a:pPr marL="457200" lvl="1" indent="0">
+              <a:buNone/>
+            </a:pPr>
+            <a:endParaRPr lang="es-ES" sz="1400" dirty="0"/>
+          </a:p>
+          <a:p>
+            <a:pPr marL="457200" lvl="1" indent="0">
+              <a:buNone/>
+            </a:pPr>
+            <a:r>
+              <a:rPr lang="es-ES" sz="1400" dirty="0"/>
+              <a:t>5. En el `case` de los avisos legales simplemente se abre un `</a:t>
+            </a:r>
+            <a:r>
+              <a:rPr lang="es-ES" sz="1400" dirty="0" err="1"/>
+              <a:t>printf</a:t>
+            </a:r>
+            <a:r>
+              <a:rPr lang="es-ES" sz="1400" dirty="0"/>
+              <a:t>` con la información sobre estos.</a:t>
+            </a:r>
+          </a:p>
+          <a:p>
+            <a:pPr marL="457200" lvl="1" indent="0">
+              <a:buNone/>
+            </a:pPr>
+            <a:endParaRPr lang="es-ES" sz="1400" dirty="0"/>
+          </a:p>
+          <a:p>
+            <a:pPr marL="457200" lvl="1" indent="0">
+              <a:buNone/>
+            </a:pPr>
+            <a:endParaRPr lang="es-ES" sz="1400" dirty="0"/>
+          </a:p>
+          <a:p>
+            <a:pPr marL="457200" lvl="1" indent="0">
+              <a:buNone/>
+            </a:pPr>
+            <a:endParaRPr lang="es-ES" sz="1400" dirty="0"/>
+          </a:p>
+          <a:p>
+            <a:pPr marL="457200" lvl="1" indent="0">
+              <a:buNone/>
+            </a:pPr>
+            <a:endParaRPr lang="es-ES" sz="1400" dirty="0"/>
+          </a:p>
+          <a:p>
+            <a:pPr marL="457200" lvl="1" indent="0" algn="just">
+              <a:buNone/>
+            </a:pPr>
+            <a:r>
+              <a:rPr lang="es-ES" sz="1400" dirty="0"/>
+              <a:t>6. En el `case` de empleados pide por pantalla el nombre de usuario y lo compara con el nombre (Bartolo) a través de un `</a:t>
+            </a:r>
+            <a:r>
+              <a:rPr lang="es-ES" sz="1400" dirty="0" err="1"/>
               <a:t>strcmp</a:t>
             </a:r>
             <a:r>
-              <a:rPr lang="es-ES" sz="1400" dirty="0" smtClean="0"/>
+              <a:rPr lang="es-ES" sz="1400" dirty="0"/>
               <a:t>` y la contraseña  (9876) con un `</a:t>
             </a:r>
             <a:r>
-              <a:rPr lang="es-ES" sz="1400" dirty="0" err="1" smtClean="0"/>
+              <a:rPr lang="es-ES" sz="1400" dirty="0" err="1"/>
               <a:t>if</a:t>
             </a:r>
             <a:r>
-              <a:rPr lang="es-ES" sz="1400" dirty="0" smtClean="0"/>
-              <a:t>`, en caso de introducir el usuario o contraseña de forma incorrecta te devuelve a menú principal, una vez introducidas te da la opción resetear los datos de los ficheros y lo hace a través de la función `</a:t>
-            </a:r>
-            <a:r>
-              <a:rPr lang="es-ES" sz="1400" dirty="0" err="1" smtClean="0"/>
+              <a:rPr lang="es-ES" sz="1400" dirty="0"/>
+              <a:t>`, en caso de introducir el usuario o contraseña de forma incorrecta te devuelve al menú principal, una vez introducidas te da la opción de resetear los datos de los ficheros y lo hace a través de la función `</a:t>
+            </a:r>
+            <a:r>
+              <a:rPr lang="es-ES" sz="1400" dirty="0" err="1"/>
               <a:t>resetusuarios</a:t>
             </a:r>
             <a:r>
-              <a:rPr lang="es-ES" sz="1400" dirty="0" smtClean="0"/>
+              <a:rPr lang="es-ES" sz="1400" dirty="0"/>
               <a:t>` y `</a:t>
             </a:r>
             <a:r>
-              <a:rPr lang="es-ES" sz="1400" dirty="0" err="1" smtClean="0"/>
+              <a:rPr lang="es-ES" sz="1400" dirty="0" err="1"/>
               <a:t>resetpantalla</a:t>
             </a:r>
             <a:r>
-              <a:rPr lang="es-ES" sz="1400" dirty="0" smtClean="0"/>
+              <a:rPr lang="es-ES" sz="1400" dirty="0"/>
               <a:t>`.</a:t>
             </a:r>
           </a:p>
           <a:p>
-            <a:pPr marL="457200" lvl="1" indent="0">
+            <a:pPr marL="457200" lvl="1" indent="0" algn="just">
               <a:buNone/>
             </a:pPr>
             <a:endParaRPr lang="es-ES" sz="1400" dirty="0"/>
           </a:p>
           <a:p>
-            <a:pPr marL="457200" lvl="1" indent="0">
-              <a:buNone/>
-            </a:pPr>
-            <a:r>
-              <a:rPr lang="es-ES" sz="1400" dirty="0" smtClean="0"/>
+            <a:pPr marL="457200" lvl="1" indent="0" algn="just">
+              <a:buNone/>
+            </a:pPr>
+            <a:r>
+              <a:rPr lang="es-ES" sz="1400" dirty="0"/>
               <a:t>7. En el `case` salir con la función `</a:t>
             </a:r>
             <a:r>
-              <a:rPr lang="es-ES" sz="1400" dirty="0" err="1" smtClean="0"/>
+              <a:rPr lang="es-ES" sz="1400" dirty="0" err="1"/>
               <a:t>pedichar</a:t>
             </a:r>
             <a:r>
-              <a:rPr lang="es-ES" sz="1400" dirty="0" smtClean="0"/>
+              <a:rPr lang="es-ES" sz="1400" dirty="0"/>
               <a:t>` el programa nos da la opción de salir del programa  y cerrar los ficheros, o no salir del programa y volver al menú principal.</a:t>
             </a:r>
-            <a:endParaRPr lang="es-ES" sz="1400" dirty="0"/>
-          </a:p>
-          <a:p>
+          </a:p>
+          <a:p>
+            <a:pPr marL="0" indent="0">
+              <a:buNone/>
+            </a:pPr>
             <a:endParaRPr lang="es-ES" dirty="0"/>
           </a:p>
         </p:txBody>
@@ -4071,10 +3923,9 @@
           <a:lstStyle/>
           <a:p>
             <a:r>
-              <a:rPr lang="es-ES" dirty="0" smtClean="0"/>
+              <a:rPr lang="es-ES" dirty="0"/>
               <a:t>Guía de utilización de programa</a:t>
             </a:r>
-            <a:endParaRPr lang="es-ES" dirty="0"/>
           </a:p>
         </p:txBody>
       </p:sp>
@@ -4104,8 +3955,161 @@
               <a:buNone/>
             </a:pPr>
             <a:r>
-              <a:rPr lang="es-ES" sz="1400" dirty="0" smtClean="0"/>
+              <a:rPr lang="es-ES" sz="1400" dirty="0"/>
               <a:t>El programa cuenta con 7 opciones dentro del menú principal:</a:t>
+            </a:r>
+          </a:p>
+          <a:p>
+            <a:pPr marL="342900" indent="-342900" algn="just">
+              <a:buFont typeface="+mj-lt"/>
+              <a:buAutoNum type="arabicPeriod"/>
+            </a:pPr>
+            <a:r>
+              <a:rPr lang="es-ES" sz="1400" dirty="0"/>
+              <a:t>Antes de empezar a utilizar el programa deberíamos resetearlo yendo a la opción empleados, introduciendo como nombre de usuario </a:t>
+            </a:r>
+            <a:r>
+              <a:rPr lang="es-ES" sz="1400" i="1" dirty="0"/>
+              <a:t>Bartolo</a:t>
+            </a:r>
+            <a:r>
+              <a:rPr lang="es-ES" sz="1400" dirty="0"/>
+              <a:t> y como contraseña </a:t>
+            </a:r>
+            <a:r>
+              <a:rPr lang="es-ES" sz="1400" i="1" dirty="0"/>
+              <a:t>9876.</a:t>
+            </a:r>
+            <a:endParaRPr lang="es-ES" sz="1400" dirty="0"/>
+          </a:p>
+          <a:p>
+            <a:pPr marL="342900" indent="-342900" algn="just">
+              <a:buFont typeface="+mj-lt"/>
+              <a:buAutoNum type="arabicPeriod"/>
+            </a:pPr>
+            <a:r>
+              <a:rPr lang="es-ES" sz="1400" dirty="0"/>
+              <a:t>El la primera opción llamada </a:t>
+            </a:r>
+            <a:r>
+              <a:rPr lang="es-ES" sz="1400" b="1" i="1" dirty="0"/>
+              <a:t>cartelera,</a:t>
+            </a:r>
+            <a:r>
+              <a:rPr lang="es-ES" sz="1400" i="1" dirty="0"/>
+              <a:t> </a:t>
+            </a:r>
+            <a:r>
+              <a:rPr lang="es-ES" sz="1400" dirty="0"/>
+              <a:t>podemos elegir primero entre los distintos tipos de géneros cinematográficos y las películas que se encuentran disponibles dentro de cada género, una vez elegida la película el programa te preguntará cual es el número de entradas que quieres comprar, en caso de que quieras comprar más entradas que asientos haya en ese momento disponibles, el programa te responderá que no hay suficientes entradas disponibles, después te dará la opción de elegir los asientos mostrándote cuales están vacíos y cuales ocupados,  eligiendo los asientos de uno en uno y conformando cada uno de estos. Después de elegir asientos podrás pagar directamente o si eres usuario introducir tus datos y contraseña para tener la posibilidad de llevarte descuentos.</a:t>
+            </a:r>
+          </a:p>
+          <a:p>
+            <a:pPr marL="342900" indent="-342900" algn="just">
+              <a:buFont typeface="+mj-lt"/>
+              <a:buAutoNum type="arabicPeriod"/>
+            </a:pPr>
+            <a:r>
+              <a:rPr lang="es-ES" sz="1400" dirty="0"/>
+              <a:t>La segunda opción es la de </a:t>
+            </a:r>
+            <a:r>
+              <a:rPr lang="es-ES" sz="1400" b="1" i="1" dirty="0"/>
+              <a:t>registrarse,</a:t>
+            </a:r>
+            <a:r>
+              <a:rPr lang="es-ES" sz="1400" dirty="0"/>
+              <a:t> donde hay que introducir el nombre de usuario que quieres utilizar con una contraseña y el número de tarjeta para realizar los pagos, en caso de introducir un nombre de usuario que ya esté en uso se volverá a pedir otro nombre de usuario.</a:t>
+            </a:r>
+          </a:p>
+          <a:p>
+            <a:pPr marL="342900" indent="-342900" algn="just">
+              <a:buFont typeface="+mj-lt"/>
+              <a:buAutoNum type="arabicPeriod"/>
+            </a:pPr>
+            <a:r>
+              <a:rPr lang="es-ES" sz="1400" dirty="0"/>
+              <a:t>En la opción </a:t>
+            </a:r>
+            <a:r>
+              <a:rPr lang="es-ES" sz="1400" b="1" i="1" dirty="0"/>
+              <a:t>atención al cliente, </a:t>
+            </a:r>
+            <a:r>
+              <a:rPr lang="es-ES" sz="1400" dirty="0"/>
+              <a:t>tenemos la opción de contactar por un problema donde se muestra el número de teléfono o la opción de dar tu opinión, ya sea positiva o negativa, sobre cualquier película o sobre el propio cine.</a:t>
+            </a:r>
+          </a:p>
+          <a:p>
+            <a:pPr marL="342900" indent="-342900" algn="just">
+              <a:buFont typeface="+mj-lt"/>
+              <a:buAutoNum type="arabicPeriod"/>
+            </a:pPr>
+            <a:r>
+              <a:rPr lang="es-ES" sz="1400" dirty="0"/>
+              <a:t>En la opción de </a:t>
+            </a:r>
+            <a:r>
+              <a:rPr lang="es-ES" sz="1400" b="1" i="1" dirty="0"/>
+              <a:t>contacto </a:t>
+            </a:r>
+            <a:r>
+              <a:rPr lang="es-ES" sz="1400" dirty="0"/>
+              <a:t>se muestran por pantalla la dirección de tres cines Bartolo en diferentes lugares de Madrid y además un número de contacto en caso de tener alguna duda.</a:t>
+            </a:r>
+          </a:p>
+          <a:p>
+            <a:pPr marL="342900" indent="-342900" algn="just">
+              <a:buFont typeface="+mj-lt"/>
+              <a:buAutoNum type="arabicPeriod"/>
+            </a:pPr>
+            <a:r>
+              <a:rPr lang="es-ES" sz="1400" dirty="0"/>
+              <a:t>En la opción de </a:t>
+            </a:r>
+            <a:r>
+              <a:rPr lang="es-ES" sz="1400" b="1" i="1" dirty="0"/>
+              <a:t>avisos legales </a:t>
+            </a:r>
+            <a:r>
+              <a:rPr lang="es-ES" sz="1400" dirty="0"/>
+              <a:t>simplemente se muestra la licencia y un aviso sobre la protección de los datos de cada usuario que se registre.</a:t>
+            </a:r>
+          </a:p>
+          <a:p>
+            <a:pPr marL="342900" indent="-342900" algn="just">
+              <a:buFont typeface="+mj-lt"/>
+              <a:buAutoNum type="arabicPeriod"/>
+            </a:pPr>
+            <a:r>
+              <a:rPr lang="es-ES" sz="1400" dirty="0"/>
+              <a:t>La sexta opción es el apartado de </a:t>
+            </a:r>
+            <a:r>
+              <a:rPr lang="es-ES" sz="1400" b="1" i="1" dirty="0"/>
+              <a:t>empleados, </a:t>
+            </a:r>
+            <a:r>
+              <a:rPr lang="es-ES" sz="1400" dirty="0"/>
+              <a:t>en el cual sólo los empleados y no los usuarios podrán acceder para resetear los ficheros de cada sala de cine en caso de ser necesario.</a:t>
+            </a:r>
+          </a:p>
+          <a:p>
+            <a:pPr marL="342900" indent="-342900" algn="just">
+              <a:buFont typeface="+mj-lt"/>
+              <a:buAutoNum type="arabicPeriod"/>
+            </a:pPr>
+            <a:r>
+              <a:rPr lang="es-ES" sz="1400" dirty="0"/>
+              <a:t>La ultima opción es simplemente la de </a:t>
+            </a:r>
+            <a:r>
+              <a:rPr lang="es-ES" sz="1400" b="1" i="1" dirty="0"/>
+              <a:t>salir </a:t>
+            </a:r>
+            <a:r>
+              <a:rPr lang="es-ES" sz="1400" dirty="0"/>
+              <a:t>del programa.</a:t>
             </a:r>
           </a:p>
           <a:p>
@@ -4113,172 +4117,7 @@
               <a:buFont typeface="+mj-lt"/>
               <a:buAutoNum type="arabicPeriod"/>
             </a:pPr>
-            <a:r>
-              <a:rPr lang="es-ES" sz="1400" dirty="0" smtClean="0"/>
-              <a:t>Antes de empezar a utilizar el programa deberíamos de resetearlo yendo a la opción empleados, introduciendo como nombre de usuario </a:t>
-            </a:r>
-            <a:r>
-              <a:rPr lang="es-ES" sz="1400" i="1" dirty="0" smtClean="0"/>
-              <a:t>Bartolo</a:t>
-            </a:r>
-            <a:r>
-              <a:rPr lang="es-ES" sz="1400" dirty="0" smtClean="0"/>
-              <a:t> y como contraseña </a:t>
-            </a:r>
-            <a:r>
-              <a:rPr lang="es-ES" sz="1400" i="1" dirty="0" smtClean="0"/>
-              <a:t>9876.</a:t>
-            </a:r>
-            <a:endParaRPr lang="es-ES" sz="1400" dirty="0" smtClean="0"/>
-          </a:p>
-          <a:p>
-            <a:pPr marL="342900" indent="-342900">
-              <a:buFont typeface="+mj-lt"/>
-              <a:buAutoNum type="arabicPeriod"/>
-            </a:pPr>
-            <a:r>
-              <a:rPr lang="es-ES" sz="1400" dirty="0" smtClean="0"/>
-              <a:t>El la primera opción llamada </a:t>
-            </a:r>
-            <a:r>
-              <a:rPr lang="es-ES" sz="1400" b="1" i="1" dirty="0" smtClean="0"/>
-              <a:t>cartelera</a:t>
-            </a:r>
-            <a:r>
-              <a:rPr lang="es-ES" sz="1400" i="1" dirty="0" smtClean="0"/>
-              <a:t> </a:t>
-            </a:r>
-            <a:r>
-              <a:rPr lang="es-ES" sz="1400" dirty="0" smtClean="0"/>
-              <a:t>podemos elegir primero entre los distintos tipos de géneros cinematográficos y las películas que se encuentran disponibles dentro de cada género, una vez elegida la película el programa te preguntara cual es el número de entradas que quieres comprar, en caso de que quieras comprar mas entradas que asientos haya en ese momento disponibles el programa te responderá que no hay suficientes entradas disponibles, después te dará la opción de elegir los asientos mostrándote cuales están vacíos y cuales ocupados  eligiendo los asientos de uno en uno y conformando cada uno de estos. Después de elegir asientos </a:t>
-            </a:r>
-            <a:r>
-              <a:rPr lang="es-ES" sz="1400" dirty="0" err="1" smtClean="0"/>
-              <a:t>podras</a:t>
-            </a:r>
-            <a:r>
-              <a:rPr lang="es-ES" sz="1400" dirty="0" smtClean="0"/>
-              <a:t> pagar directamente o si eres usuario introducir tus datos y contraseña para tener la posibilidad de llevarte descuentos.</a:t>
-            </a:r>
-          </a:p>
-          <a:p>
-            <a:pPr marL="342900" indent="-342900">
-              <a:buFont typeface="+mj-lt"/>
-              <a:buAutoNum type="arabicPeriod"/>
-            </a:pPr>
-            <a:r>
-              <a:rPr lang="es-ES" sz="1400" dirty="0" smtClean="0"/>
-              <a:t>La segunda opción es la de </a:t>
-            </a:r>
-            <a:r>
-              <a:rPr lang="es-ES" sz="1400" b="1" i="1" dirty="0" smtClean="0"/>
-              <a:t>registrarse</a:t>
-            </a:r>
-            <a:r>
-              <a:rPr lang="es-ES" sz="1400" dirty="0" smtClean="0"/>
-              <a:t> donde hay que introducir el nombre de usuario que quieres utilizar con una contraseña y el numero de tarjeta para realizar los pagos, en cado de introducir un nombre de usuario que ya este en uso se volverá a pedir otro nombre de usuario.</a:t>
-            </a:r>
-          </a:p>
-          <a:p>
-            <a:pPr marL="342900" indent="-342900">
-              <a:buFont typeface="+mj-lt"/>
-              <a:buAutoNum type="arabicPeriod"/>
-            </a:pPr>
-            <a:r>
-              <a:rPr lang="es-ES" sz="1400" dirty="0" smtClean="0"/>
-              <a:t>En la opción </a:t>
-            </a:r>
-            <a:r>
-              <a:rPr lang="es-ES" sz="1400" b="1" i="1" dirty="0" smtClean="0"/>
-              <a:t>atención al cliente </a:t>
-            </a:r>
-            <a:r>
-              <a:rPr lang="es-ES" sz="1400" dirty="0" smtClean="0"/>
-              <a:t>tenemos la opción de contactar por un problema donde se muestra en número de teléfono en caso de tener cualquier problema o la opción de dar tu opinión ya sea positiva o negativo sobre cualquier película o sobre el propio cine.</a:t>
-            </a:r>
-          </a:p>
-          <a:p>
-            <a:pPr marL="342900" indent="-342900">
-              <a:buFont typeface="+mj-lt"/>
-              <a:buAutoNum type="arabicPeriod"/>
-            </a:pPr>
-            <a:r>
-              <a:rPr lang="es-ES" sz="1400" dirty="0" smtClean="0"/>
-              <a:t>La opción de </a:t>
-            </a:r>
-            <a:r>
-              <a:rPr lang="es-ES" sz="1400" b="1" i="1" dirty="0" smtClean="0"/>
-              <a:t>contacto </a:t>
-            </a:r>
-            <a:r>
-              <a:rPr lang="es-ES" sz="1400" dirty="0" smtClean="0"/>
-              <a:t>se muestran por pantalla la dirección de 3 cines Bartolo en diferentes lugares de Madrid y además un numero de contacto en caso de tener alguna duda.</a:t>
-            </a:r>
-          </a:p>
-          <a:p>
-            <a:pPr marL="342900" indent="-342900">
-              <a:buFont typeface="+mj-lt"/>
-              <a:buAutoNum type="arabicPeriod"/>
-            </a:pPr>
-            <a:r>
-              <a:rPr lang="es-ES" sz="1400" dirty="0"/>
-              <a:t>E</a:t>
-            </a:r>
-            <a:r>
-              <a:rPr lang="es-ES" sz="1400" dirty="0" smtClean="0"/>
-              <a:t>n la opción de </a:t>
-            </a:r>
-            <a:r>
-              <a:rPr lang="es-ES" sz="1400" b="1" i="1" dirty="0" smtClean="0"/>
-              <a:t>avisos legales </a:t>
-            </a:r>
-            <a:r>
-              <a:rPr lang="es-ES" sz="1400" dirty="0" smtClean="0"/>
-              <a:t>simplemente se muestran la licencia y un aviso sobre la protección de los datos de cada usuario que se registre.</a:t>
-            </a:r>
-          </a:p>
-          <a:p>
-            <a:pPr marL="342900" indent="-342900">
-              <a:buFont typeface="+mj-lt"/>
-              <a:buAutoNum type="arabicPeriod"/>
-            </a:pPr>
-            <a:r>
-              <a:rPr lang="es-ES" sz="1400" dirty="0" smtClean="0"/>
-              <a:t>La secta opción es el apartado de </a:t>
-            </a:r>
-            <a:r>
-              <a:rPr lang="es-ES" sz="1400" b="1" i="1" dirty="0" smtClean="0"/>
-              <a:t>empleados </a:t>
-            </a:r>
-            <a:r>
-              <a:rPr lang="es-ES" sz="1400" dirty="0" smtClean="0"/>
-              <a:t>en el cual solo los empleados y no los usuarios podrán acceder para resetear los ficheros de cada sala de cine en caso de ser necesario</a:t>
-            </a:r>
-          </a:p>
-          <a:p>
-            <a:pPr marL="342900" indent="-342900">
-              <a:buFont typeface="+mj-lt"/>
-              <a:buAutoNum type="arabicPeriod"/>
-            </a:pPr>
-            <a:r>
-              <a:rPr lang="es-ES" sz="1400" dirty="0" smtClean="0"/>
-              <a:t>La ultima opción es simplemente la de </a:t>
-            </a:r>
-            <a:r>
-              <a:rPr lang="es-ES" sz="1400" b="1" i="1" dirty="0" smtClean="0"/>
-              <a:t>salir </a:t>
-            </a:r>
-            <a:r>
-              <a:rPr lang="es-ES" sz="1400" dirty="0" smtClean="0"/>
-              <a:t>del programa.</a:t>
-            </a:r>
-          </a:p>
-          <a:p>
-            <a:pPr marL="342900" indent="-342900">
-              <a:buFont typeface="+mj-lt"/>
-              <a:buAutoNum type="arabicPeriod"/>
-            </a:pPr>
-            <a:endParaRPr lang="es-ES" sz="1000" dirty="0" smtClean="0"/>
+            <a:endParaRPr lang="es-ES" sz="1000" dirty="0"/>
           </a:p>
           <a:p>
             <a:pPr marL="342900" indent="-342900">
@@ -4335,10 +4174,9 @@
           <a:lstStyle/>
           <a:p>
             <a:r>
-              <a:rPr lang="es-ES" dirty="0" smtClean="0"/>
+              <a:rPr lang="es-ES" dirty="0"/>
               <a:t>Funciones implementadas</a:t>
             </a:r>
-            <a:endParaRPr lang="es-ES" dirty="0"/>
           </a:p>
         </p:txBody>
       </p:sp>
@@ -4364,16 +4202,12 @@
               <a:buAutoNum type="arabicPeriod"/>
             </a:pPr>
             <a:r>
-              <a:rPr lang="es-ES" sz="1400" dirty="0" err="1" smtClean="0"/>
+              <a:rPr lang="es-ES" sz="1400" dirty="0" err="1"/>
               <a:t>Asientoslibre</a:t>
             </a:r>
             <a:r>
               <a:rPr lang="es-ES" sz="1400" dirty="0"/>
-              <a:t> </a:t>
-            </a:r>
-            <a:r>
-              <a:rPr lang="es-ES" sz="1400" dirty="0" smtClean="0"/>
-              <a:t>(int): cuenta el número de asientos libres.</a:t>
+              <a:t> (int): cuenta el número de asientos libres.</a:t>
             </a:r>
           </a:p>
           <a:p>
@@ -4382,19 +4216,19 @@
               <a:buAutoNum type="arabicPeriod"/>
             </a:pPr>
             <a:r>
-              <a:rPr lang="es-ES" sz="1400" dirty="0" err="1" smtClean="0"/>
+              <a:rPr lang="es-ES" sz="1400" dirty="0" err="1"/>
               <a:t>Panatalla</a:t>
             </a:r>
             <a:r>
-              <a:rPr lang="es-ES" sz="1400" dirty="0" smtClean="0"/>
+              <a:rPr lang="es-ES" sz="1400" dirty="0"/>
               <a:t>(</a:t>
             </a:r>
             <a:r>
-              <a:rPr lang="es-ES" sz="1400" dirty="0" err="1" smtClean="0"/>
+              <a:rPr lang="es-ES" sz="1400" dirty="0" err="1"/>
               <a:t>void</a:t>
             </a:r>
             <a:r>
-              <a:rPr lang="es-ES" sz="1400" dirty="0" smtClean="0"/>
+              <a:rPr lang="es-ES" sz="1400" dirty="0"/>
               <a:t>): imprime por pantalla la sala de cine.</a:t>
             </a:r>
           </a:p>
@@ -4404,12 +4238,12 @@
               <a:buAutoNum type="arabicPeriod"/>
             </a:pPr>
             <a:r>
-              <a:rPr lang="es-ES" sz="1400" dirty="0" err="1" smtClean="0"/>
+              <a:rPr lang="es-ES" sz="1400" dirty="0" err="1"/>
               <a:t>Pedirletra</a:t>
             </a:r>
             <a:r>
-              <a:rPr lang="es-ES" sz="1400" dirty="0" smtClean="0"/>
-              <a:t>(char): se usa para elegir la fila del asiento de la sala con una letra de la a-i.</a:t>
+              <a:rPr lang="es-ES" sz="1400" dirty="0"/>
+              <a:t>(char): se usa para elegir la fila del asiento de la sala con una letra de la ‘a’ a la ‘i’.</a:t>
             </a:r>
           </a:p>
           <a:p>
@@ -4418,28 +4252,12 @@
               <a:buAutoNum type="arabicPeriod"/>
             </a:pPr>
             <a:r>
-              <a:rPr lang="es-ES" sz="1400" dirty="0" err="1" smtClean="0"/>
+              <a:rPr lang="es-ES" sz="1400" dirty="0" err="1"/>
               <a:t>Pedirnúmero</a:t>
             </a:r>
             <a:r>
-              <a:rPr lang="es-ES" sz="1400" dirty="0" smtClean="0"/>
-              <a:t>(int):</a:t>
-            </a:r>
-            <a:r>
-              <a:rPr lang="es-ES" sz="1400" dirty="0"/>
-              <a:t> se usa para elegir la </a:t>
-            </a:r>
-            <a:r>
-              <a:rPr lang="es-ES" sz="1400" dirty="0" smtClean="0"/>
-              <a:t>columna </a:t>
-            </a:r>
-            <a:r>
-              <a:rPr lang="es-ES" sz="1400" dirty="0"/>
-              <a:t>del asiento de la </a:t>
-            </a:r>
-            <a:r>
-              <a:rPr lang="es-ES" sz="1400" dirty="0" smtClean="0"/>
-              <a:t>sala con un número del 1-9.</a:t>
+              <a:rPr lang="es-ES" sz="1400" dirty="0"/>
+              <a:t>(int): se usa para elegir la columna del asiento de la sala con un número del 1 al 9.</a:t>
             </a:r>
           </a:p>
           <a:p>
@@ -4448,11 +4266,11 @@
               <a:buAutoNum type="arabicPeriod"/>
             </a:pPr>
             <a:r>
-              <a:rPr lang="es-ES" sz="1400" dirty="0" err="1" smtClean="0"/>
+              <a:rPr lang="es-ES" sz="1400" dirty="0" err="1"/>
               <a:t>Pediropcion</a:t>
             </a:r>
             <a:r>
-              <a:rPr lang="es-ES" sz="1400" dirty="0" smtClean="0"/>
+              <a:rPr lang="es-ES" sz="1400" dirty="0"/>
               <a:t>(int): se emplea para pedir en cada `case` el número de la opción a elegir.</a:t>
             </a:r>
           </a:p>
@@ -4462,28 +4280,12 @@
               <a:buAutoNum type="arabicPeriod"/>
             </a:pPr>
             <a:r>
-              <a:rPr lang="es-ES" sz="1400" dirty="0" err="1" smtClean="0"/>
+              <a:rPr lang="es-ES" sz="1400" dirty="0" err="1"/>
               <a:t>Pedirchar</a:t>
             </a:r>
             <a:r>
-              <a:rPr lang="es-ES" sz="1400" dirty="0" smtClean="0"/>
-              <a:t>(char): se </a:t>
-            </a:r>
-            <a:r>
-              <a:rPr lang="es-ES" sz="1400" dirty="0"/>
-              <a:t>emplea para pedir en cada `case` la </a:t>
-            </a:r>
-            <a:r>
-              <a:rPr lang="es-ES" sz="1400" dirty="0" smtClean="0"/>
-              <a:t>letra de la opción </a:t>
-            </a:r>
-            <a:r>
-              <a:rPr lang="es-ES" sz="1400" dirty="0"/>
-              <a:t>a elegir</a:t>
-            </a:r>
-            <a:r>
-              <a:rPr lang="es-ES" sz="1400" dirty="0" smtClean="0"/>
-              <a:t>.</a:t>
+              <a:rPr lang="es-ES" sz="1400" dirty="0"/>
+              <a:t>(char): se emplea para pedir en cada `case` la letra de la opción a elegir.</a:t>
             </a:r>
           </a:p>
           <a:p>
@@ -4573,15 +4375,7 @@
             </a:r>
             <a:r>
               <a:rPr lang="es-ES" sz="1400" dirty="0"/>
-              <a:t>): se usa para </a:t>
-            </a:r>
-            <a:r>
-              <a:rPr lang="es-ES" sz="1400" dirty="0" err="1"/>
-              <a:t>resetaer</a:t>
-            </a:r>
-            <a:r>
-              <a:rPr lang="es-ES" sz="1400" dirty="0"/>
-              <a:t> el fichero pantalla.</a:t>
+              <a:t>): se usa para resetear el fichero pantalla.</a:t>
             </a:r>
           </a:p>
           <a:p>
@@ -4621,7 +4415,7 @@
             </a:r>
             <a:r>
               <a:rPr lang="es-ES" sz="1400" dirty="0"/>
-              <a:t>): implementa el tiempo en la cartelera</a:t>
+              <a:t>): implementa el tiempo en la cartelera.</a:t>
             </a:r>
           </a:p>
           <a:p>
@@ -4639,7 +4433,7 @@
             </a:r>
             <a:r>
               <a:rPr lang="es-ES" sz="1400" dirty="0"/>
-              <a:t>): comprueba si se ha pasado la hora a la que empieza la película</a:t>
+              <a:t>): comprueba si se ha pasado la hora a la que empieza la película.</a:t>
             </a:r>
           </a:p>
           <a:p>
@@ -4647,7 +4441,7 @@
               <a:buFont typeface="+mj-lt"/>
               <a:buAutoNum type="arabicPeriod"/>
             </a:pPr>
-            <a:endParaRPr lang="es-ES" sz="1400" dirty="0" smtClean="0"/>
+            <a:endParaRPr lang="es-ES" sz="1400" dirty="0"/>
           </a:p>
         </p:txBody>
       </p:sp>
@@ -4661,13 +4455,6 @@
   <p:clrMapOvr>
     <a:masterClrMapping/>
   </p:clrMapOvr>
-  <p:timing>
-    <p:tnLst>
-      <p:par>
-        <p:cTn id="1" dur="indefinite" restart="never" nodeType="tmRoot"/>
-      </p:par>
-    </p:tnLst>
-  </p:timing>
 </p:sld>
 </file>
 
